--- a/WEEK1/第12期第一周班会-自我介绍.pptx
+++ b/WEEK1/第12期第一周班会-自我介绍.pptx
@@ -3140,7 +3140,14 @@
                 <a:latin typeface="仿宋" panose="02010609060101010101" charset="-122"/>
                 <a:ea typeface="仿宋" panose="02010609060101010101" charset="-122"/>
               </a:rPr>
-              <a:t>三分钟左右自我介绍</a:t>
+              <a:t>两</a:t>
+            </a:r>
+            <a:r>
+              <a:rPr lang="zh-CN" altLang="en-US">
+                <a:latin typeface="仿宋" panose="02010609060101010101" charset="-122"/>
+                <a:ea typeface="仿宋" panose="02010609060101010101" charset="-122"/>
+              </a:rPr>
+              <a:t>分钟左右自我介绍</a:t>
             </a:r>
             <a:endParaRPr lang="zh-CN" altLang="en-US">
               <a:latin typeface="仿宋" panose="02010609060101010101" charset="-122"/>
